--- a/Problem and Opportunity Statement.pptx
+++ b/Problem and Opportunity Statement.pptx
@@ -4,6 +4,9 @@
   <p:sldMasterIdLst>
     <p:sldMasterId id="2147483648" r:id="rId1"/>
   </p:sldMasterIdLst>
+  <p:notesMasterIdLst>
+    <p:notesMasterId r:id="rId5"/>
+  </p:notesMasterIdLst>
   <p:sldIdLst>
     <p:sldId id="256" r:id="rId3"/>
     <p:sldId id="258" r:id="rId4"/>
@@ -108,6 +111,353 @@
 </p:presentation>
 </file>
 
+<file path=ppt/notesMasters/notesMaster1.xml><?xml version="1.0" encoding="utf-8"?>
+<p:notesMaster xmlns:a="http://schemas.openxmlformats.org/drawingml/2006/main" xmlns:r="http://schemas.openxmlformats.org/officeDocument/2006/relationships" xmlns:p="http://schemas.openxmlformats.org/presentationml/2006/main">
+  <p:cSld>
+    <p:bg>
+      <p:bgRef idx="1001">
+        <a:schemeClr val="bg1"/>
+      </p:bgRef>
+    </p:bg>
+    <p:spTree>
+      <p:nvGrpSpPr>
+        <p:cNvPr id="1" name=""/>
+        <p:cNvGrpSpPr/>
+        <p:nvPr/>
+      </p:nvGrpSpPr>
+      <p:grpSpPr>
+        <a:xfrm>
+          <a:off x="0" y="0"/>
+          <a:ext cx="0" cy="0"/>
+          <a:chOff x="0" y="0"/>
+          <a:chExt cx="0" cy="0"/>
+        </a:xfrm>
+      </p:grpSpPr>
+      <p:sp>
+        <p:nvSpPr>
+          <p:cNvPr id="2" name="Header Placeholder 1"/>
+          <p:cNvSpPr>
+            <a:spLocks noGrp="1"/>
+          </p:cNvSpPr>
+          <p:nvPr>
+            <p:ph type="hdr" sz="quarter"/>
+          </p:nvPr>
+        </p:nvSpPr>
+        <p:spPr>
+          <a:xfrm>
+            <a:off x="0" y="0"/>
+            <a:ext cx="2971800" cy="458788"/>
+          </a:xfrm>
+          <a:prstGeom prst="rect">
+            <a:avLst/>
+          </a:prstGeom>
+        </p:spPr>
+        <p:txBody>
+          <a:bodyPr vert="horz" lIns="91440" tIns="45720" rIns="91440" bIns="45720" rtlCol="0"/>
+          <a:lstStyle>
+            <a:lvl1pPr algn="l">
+              <a:defRPr sz="1200"/>
+            </a:lvl1pPr>
+          </a:lstStyle>
+          <a:p>
+            <a:endParaRPr lang="en-US"/>
+          </a:p>
+        </p:txBody>
+      </p:sp>
+      <p:sp>
+        <p:nvSpPr>
+          <p:cNvPr id="3" name="Date Placeholder 2"/>
+          <p:cNvSpPr>
+            <a:spLocks noGrp="1"/>
+          </p:cNvSpPr>
+          <p:nvPr>
+            <p:ph type="dt" idx="1"/>
+          </p:nvPr>
+        </p:nvSpPr>
+        <p:spPr>
+          <a:xfrm>
+            <a:off x="3884613" y="0"/>
+            <a:ext cx="2971800" cy="458788"/>
+          </a:xfrm>
+          <a:prstGeom prst="rect">
+            <a:avLst/>
+          </a:prstGeom>
+        </p:spPr>
+        <p:txBody>
+          <a:bodyPr vert="horz" lIns="91440" tIns="45720" rIns="91440" bIns="45720" rtlCol="0"/>
+          <a:lstStyle>
+            <a:lvl1pPr algn="r">
+              <a:defRPr sz="1200"/>
+            </a:lvl1pPr>
+          </a:lstStyle>
+          <a:p>
+            <a:fld id="{3EFD42F7-718C-4B98-AAEC-167E6DDD60A7}" type="datetimeFigureOut">
+              <a:rPr lang="en-US" smtClean="0"/>
+            </a:fld>
+            <a:endParaRPr lang="en-US"/>
+          </a:p>
+        </p:txBody>
+      </p:sp>
+      <p:sp>
+        <p:nvSpPr>
+          <p:cNvPr id="4" name="Slide Image Placeholder 3"/>
+          <p:cNvSpPr>
+            <a:spLocks noGrp="1" noRot="1" noChangeAspect="1"/>
+          </p:cNvSpPr>
+          <p:nvPr>
+            <p:ph type="sldImg" idx="2"/>
+          </p:nvPr>
+        </p:nvSpPr>
+        <p:spPr>
+          <a:xfrm>
+            <a:off x="685800" y="1143000"/>
+            <a:ext cx="5486400" cy="3086100"/>
+          </a:xfrm>
+          <a:prstGeom prst="rect">
+            <a:avLst/>
+          </a:prstGeom>
+          <a:noFill/>
+          <a:ln w="12700">
+            <a:solidFill>
+              <a:prstClr val="black"/>
+            </a:solidFill>
+          </a:ln>
+        </p:spPr>
+        <p:txBody>
+          <a:bodyPr vert="horz" lIns="91440" tIns="45720" rIns="91440" bIns="45720" rtlCol="0" anchor="ctr"/>
+          <a:lstStyle/>
+          <a:p>
+            <a:endParaRPr lang="en-US"/>
+          </a:p>
+        </p:txBody>
+      </p:sp>
+      <p:sp>
+        <p:nvSpPr>
+          <p:cNvPr id="5" name="Notes Placeholder 4"/>
+          <p:cNvSpPr>
+            <a:spLocks noGrp="1"/>
+          </p:cNvSpPr>
+          <p:nvPr>
+            <p:ph type="body" sz="quarter" idx="3"/>
+          </p:nvPr>
+        </p:nvSpPr>
+        <p:spPr>
+          <a:xfrm>
+            <a:off x="685800" y="4400550"/>
+            <a:ext cx="5486400" cy="3600450"/>
+          </a:xfrm>
+          <a:prstGeom prst="rect">
+            <a:avLst/>
+          </a:prstGeom>
+        </p:spPr>
+        <p:txBody>
+          <a:bodyPr vert="horz" lIns="91440" tIns="45720" rIns="91440" bIns="45720" rtlCol="0"/>
+          <a:lstStyle/>
+          <a:p>
+            <a:pPr lvl="0"/>
+            <a:r>
+              <a:rPr lang="en-US" smtClean="0"/>
+              <a:t>Click to edit Master text styles</a:t>
+            </a:r>
+            <a:endParaRPr lang="en-US" smtClean="0"/>
+          </a:p>
+          <a:p>
+            <a:pPr lvl="1"/>
+            <a:r>
+              <a:rPr lang="en-US" smtClean="0"/>
+              <a:t>Second level</a:t>
+            </a:r>
+            <a:endParaRPr lang="en-US" smtClean="0"/>
+          </a:p>
+          <a:p>
+            <a:pPr lvl="2"/>
+            <a:r>
+              <a:rPr lang="en-US" smtClean="0"/>
+              <a:t>Third level</a:t>
+            </a:r>
+            <a:endParaRPr lang="en-US" smtClean="0"/>
+          </a:p>
+          <a:p>
+            <a:pPr lvl="3"/>
+            <a:r>
+              <a:rPr lang="en-US" smtClean="0"/>
+              <a:t>Fourth level</a:t>
+            </a:r>
+            <a:endParaRPr lang="en-US" smtClean="0"/>
+          </a:p>
+          <a:p>
+            <a:pPr lvl="4"/>
+            <a:r>
+              <a:rPr lang="en-US" smtClean="0"/>
+              <a:t>Fifth level</a:t>
+            </a:r>
+            <a:endParaRPr lang="en-US"/>
+          </a:p>
+        </p:txBody>
+      </p:sp>
+      <p:sp>
+        <p:nvSpPr>
+          <p:cNvPr id="6" name="Footer Placeholder 5"/>
+          <p:cNvSpPr>
+            <a:spLocks noGrp="1"/>
+          </p:cNvSpPr>
+          <p:nvPr>
+            <p:ph type="ftr" sz="quarter" idx="4"/>
+          </p:nvPr>
+        </p:nvSpPr>
+        <p:spPr>
+          <a:xfrm>
+            <a:off x="0" y="8685213"/>
+            <a:ext cx="2971800" cy="458787"/>
+          </a:xfrm>
+          <a:prstGeom prst="rect">
+            <a:avLst/>
+          </a:prstGeom>
+        </p:spPr>
+        <p:txBody>
+          <a:bodyPr vert="horz" lIns="91440" tIns="45720" rIns="91440" bIns="45720" rtlCol="0" anchor="b"/>
+          <a:lstStyle>
+            <a:lvl1pPr algn="l">
+              <a:defRPr sz="1200"/>
+            </a:lvl1pPr>
+          </a:lstStyle>
+          <a:p>
+            <a:endParaRPr lang="en-US"/>
+          </a:p>
+        </p:txBody>
+      </p:sp>
+      <p:sp>
+        <p:nvSpPr>
+          <p:cNvPr id="7" name="Slide Number Placeholder 6"/>
+          <p:cNvSpPr>
+            <a:spLocks noGrp="1"/>
+          </p:cNvSpPr>
+          <p:nvPr>
+            <p:ph type="sldNum" sz="quarter" idx="5"/>
+          </p:nvPr>
+        </p:nvSpPr>
+        <p:spPr>
+          <a:xfrm>
+            <a:off x="3884613" y="8685213"/>
+            <a:ext cx="2971800" cy="458787"/>
+          </a:xfrm>
+          <a:prstGeom prst="rect">
+            <a:avLst/>
+          </a:prstGeom>
+        </p:spPr>
+        <p:txBody>
+          <a:bodyPr vert="horz" lIns="91440" tIns="45720" rIns="91440" bIns="45720" rtlCol="0" anchor="b"/>
+          <a:lstStyle>
+            <a:lvl1pPr algn="r">
+              <a:defRPr sz="1200"/>
+            </a:lvl1pPr>
+          </a:lstStyle>
+          <a:p>
+            <a:fld id="{21B2AA4F-B828-4D7C-AFD3-893933DAFCB4}" type="slidenum">
+              <a:rPr lang="en-US" smtClean="0"/>
+            </a:fld>
+            <a:endParaRPr lang="en-US"/>
+          </a:p>
+        </p:txBody>
+      </p:sp>
+    </p:spTree>
+  </p:cSld>
+  <p:clrMap bg1="lt1" tx1="dk1" bg2="lt2" tx2="dk2" accent1="accent1" accent2="accent2" accent3="accent3" accent4="accent4" accent5="accent5" accent6="accent6" hlink="hlink" folHlink="folHlink"/>
+  <p:notesStyle>
+    <a:lvl1pPr marL="0" algn="l" defTabSz="914400" rtl="0" eaLnBrk="1" latinLnBrk="0" hangingPunct="1">
+      <a:defRPr sz="1200" kern="1200">
+        <a:solidFill>
+          <a:schemeClr val="tx1"/>
+        </a:solidFill>
+        <a:latin typeface="+mn-lt"/>
+        <a:ea typeface="+mn-ea"/>
+        <a:cs typeface="+mn-cs"/>
+      </a:defRPr>
+    </a:lvl1pPr>
+    <a:lvl2pPr marL="457200" algn="l" defTabSz="914400" rtl="0" eaLnBrk="1" latinLnBrk="0" hangingPunct="1">
+      <a:defRPr sz="1200" kern="1200">
+        <a:solidFill>
+          <a:schemeClr val="tx1"/>
+        </a:solidFill>
+        <a:latin typeface="+mn-lt"/>
+        <a:ea typeface="+mn-ea"/>
+        <a:cs typeface="+mn-cs"/>
+      </a:defRPr>
+    </a:lvl2pPr>
+    <a:lvl3pPr marL="914400" algn="l" defTabSz="914400" rtl="0" eaLnBrk="1" latinLnBrk="0" hangingPunct="1">
+      <a:defRPr sz="1200" kern="1200">
+        <a:solidFill>
+          <a:schemeClr val="tx1"/>
+        </a:solidFill>
+        <a:latin typeface="+mn-lt"/>
+        <a:ea typeface="+mn-ea"/>
+        <a:cs typeface="+mn-cs"/>
+      </a:defRPr>
+    </a:lvl3pPr>
+    <a:lvl4pPr marL="1371600" algn="l" defTabSz="914400" rtl="0" eaLnBrk="1" latinLnBrk="0" hangingPunct="1">
+      <a:defRPr sz="1200" kern="1200">
+        <a:solidFill>
+          <a:schemeClr val="tx1"/>
+        </a:solidFill>
+        <a:latin typeface="+mn-lt"/>
+        <a:ea typeface="+mn-ea"/>
+        <a:cs typeface="+mn-cs"/>
+      </a:defRPr>
+    </a:lvl4pPr>
+    <a:lvl5pPr marL="1828800" algn="l" defTabSz="914400" rtl="0" eaLnBrk="1" latinLnBrk="0" hangingPunct="1">
+      <a:defRPr sz="1200" kern="1200">
+        <a:solidFill>
+          <a:schemeClr val="tx1"/>
+        </a:solidFill>
+        <a:latin typeface="+mn-lt"/>
+        <a:ea typeface="+mn-ea"/>
+        <a:cs typeface="+mn-cs"/>
+      </a:defRPr>
+    </a:lvl5pPr>
+    <a:lvl6pPr marL="2286000" algn="l" defTabSz="914400" rtl="0" eaLnBrk="1" latinLnBrk="0" hangingPunct="1">
+      <a:defRPr sz="1200" kern="1200">
+        <a:solidFill>
+          <a:schemeClr val="tx1"/>
+        </a:solidFill>
+        <a:latin typeface="+mn-lt"/>
+        <a:ea typeface="+mn-ea"/>
+        <a:cs typeface="+mn-cs"/>
+      </a:defRPr>
+    </a:lvl6pPr>
+    <a:lvl7pPr marL="2743200" algn="l" defTabSz="914400" rtl="0" eaLnBrk="1" latinLnBrk="0" hangingPunct="1">
+      <a:defRPr sz="1200" kern="1200">
+        <a:solidFill>
+          <a:schemeClr val="tx1"/>
+        </a:solidFill>
+        <a:latin typeface="+mn-lt"/>
+        <a:ea typeface="+mn-ea"/>
+        <a:cs typeface="+mn-cs"/>
+      </a:defRPr>
+    </a:lvl7pPr>
+    <a:lvl8pPr marL="3200400" algn="l" defTabSz="914400" rtl="0" eaLnBrk="1" latinLnBrk="0" hangingPunct="1">
+      <a:defRPr sz="1200" kern="1200">
+        <a:solidFill>
+          <a:schemeClr val="tx1"/>
+        </a:solidFill>
+        <a:latin typeface="+mn-lt"/>
+        <a:ea typeface="+mn-ea"/>
+        <a:cs typeface="+mn-cs"/>
+      </a:defRPr>
+    </a:lvl8pPr>
+    <a:lvl9pPr marL="3657600" algn="l" defTabSz="914400" rtl="0" eaLnBrk="1" latinLnBrk="0" hangingPunct="1">
+      <a:defRPr sz="1200" kern="1200">
+        <a:solidFill>
+          <a:schemeClr val="tx1"/>
+        </a:solidFill>
+        <a:latin typeface="+mn-lt"/>
+        <a:ea typeface="+mn-ea"/>
+        <a:cs typeface="+mn-cs"/>
+      </a:defRPr>
+    </a:lvl9pPr>
+  </p:notesStyle>
+</p:notesMaster>
+</file>
+
 <file path=ppt/slideLayouts/slideLayout1.xml><?xml version="1.0" encoding="utf-8"?>
 <p:sldLayout xmlns:a="http://schemas.openxmlformats.org/drawingml/2006/main" xmlns:r="http://schemas.openxmlformats.org/officeDocument/2006/relationships" xmlns:p="http://schemas.openxmlformats.org/presentationml/2006/main" type="title" preserve="1">
   <p:cSld name="Title Slide">
@@ -259,6 +609,10 @@
           <a:bodyPr/>
           <a:lstStyle/>
           <a:p>
+            <a:r>
+              <a:rPr lang="en-US"/>
+              <a:t>Work examples quoted are not an exact replica but extrapolated to adhere to non-disclosure agreements signed with the client although several years ago.</a:t>
+            </a:r>
             <a:endParaRPr lang="en-US"/>
           </a:p>
         </p:txBody>
@@ -290,6 +644,7 @@
   <p:clrMapOvr>
     <a:masterClrMapping/>
   </p:clrMapOvr>
+  <p:hf sldNum="0" hdr="0" dt="0"/>
 </p:sldLayout>
 </file>
 
@@ -426,6 +781,10 @@
           <a:bodyPr/>
           <a:lstStyle/>
           <a:p>
+            <a:r>
+              <a:rPr lang="en-US"/>
+              <a:t>Work examples quoted are not an exact replica but extrapolated to adhere to non-disclosure agreements signed with the client although several years ago.</a:t>
+            </a:r>
             <a:endParaRPr lang="en-US"/>
           </a:p>
         </p:txBody>
@@ -457,6 +816,7 @@
   <p:clrMapOvr>
     <a:masterClrMapping/>
   </p:clrMapOvr>
+  <p:hf sldNum="0" hdr="0" dt="0"/>
 </p:sldLayout>
 </file>
 
@@ -603,6 +963,10 @@
           <a:bodyPr/>
           <a:lstStyle/>
           <a:p>
+            <a:r>
+              <a:rPr lang="en-US"/>
+              <a:t>Work examples quoted are not an exact replica but extrapolated to adhere to non-disclosure agreements signed with the client although several years ago.</a:t>
+            </a:r>
             <a:endParaRPr lang="en-US"/>
           </a:p>
         </p:txBody>
@@ -634,6 +998,7 @@
   <p:clrMapOvr>
     <a:masterClrMapping/>
   </p:clrMapOvr>
+  <p:hf sldNum="0" hdr="0" dt="0"/>
 </p:sldLayout>
 </file>
 
@@ -770,6 +1135,10 @@
           <a:bodyPr/>
           <a:lstStyle/>
           <a:p>
+            <a:r>
+              <a:rPr lang="en-US"/>
+              <a:t>Work examples quoted are not an exact replica but extrapolated to adhere to non-disclosure agreements signed with the client although several years ago.</a:t>
+            </a:r>
             <a:endParaRPr lang="en-US"/>
           </a:p>
         </p:txBody>
@@ -801,6 +1170,7 @@
   <p:clrMapOvr>
     <a:masterClrMapping/>
   </p:clrMapOvr>
+  <p:hf sldNum="0" hdr="0" dt="0"/>
 </p:sldLayout>
 </file>
 
@@ -1009,6 +1379,10 @@
           <a:bodyPr/>
           <a:lstStyle/>
           <a:p>
+            <a:r>
+              <a:rPr lang="en-US"/>
+              <a:t>Work examples quoted are not an exact replica but extrapolated to adhere to non-disclosure agreements signed with the client although several years ago.</a:t>
+            </a:r>
             <a:endParaRPr lang="en-US"/>
           </a:p>
         </p:txBody>
@@ -1040,6 +1414,7 @@
   <p:clrMapOvr>
     <a:masterClrMapping/>
   </p:clrMapOvr>
+  <p:hf sldNum="0" hdr="0" dt="0"/>
 </p:sldLayout>
 </file>
 
@@ -1242,6 +1617,10 @@
           <a:bodyPr/>
           <a:lstStyle/>
           <a:p>
+            <a:r>
+              <a:rPr lang="en-US"/>
+              <a:t>Work examples quoted are not an exact replica but extrapolated to adhere to non-disclosure agreements signed with the client although several years ago.</a:t>
+            </a:r>
             <a:endParaRPr lang="en-US"/>
           </a:p>
         </p:txBody>
@@ -1273,6 +1652,7 @@
   <p:clrMapOvr>
     <a:masterClrMapping/>
   </p:clrMapOvr>
+  <p:hf sldNum="0" hdr="0" dt="0"/>
 </p:sldLayout>
 </file>
 
@@ -1610,6 +1990,10 @@
           <a:bodyPr/>
           <a:lstStyle/>
           <a:p>
+            <a:r>
+              <a:rPr lang="en-US"/>
+              <a:t>Work examples quoted are not an exact replica but extrapolated to adhere to non-disclosure agreements signed with the client although several years ago.</a:t>
+            </a:r>
             <a:endParaRPr lang="en-US"/>
           </a:p>
         </p:txBody>
@@ -1641,6 +2025,7 @@
   <p:clrMapOvr>
     <a:masterClrMapping/>
   </p:clrMapOvr>
+  <p:hf sldNum="0" hdr="0" dt="0"/>
 </p:sldLayout>
 </file>
 
@@ -1721,6 +2106,10 @@
           <a:bodyPr/>
           <a:lstStyle/>
           <a:p>
+            <a:r>
+              <a:rPr lang="en-US"/>
+              <a:t>Work examples quoted are not an exact replica but extrapolated to adhere to non-disclosure agreements signed with the client although several years ago.</a:t>
+            </a:r>
             <a:endParaRPr lang="en-US"/>
           </a:p>
         </p:txBody>
@@ -1752,6 +2141,7 @@
   <p:clrMapOvr>
     <a:masterClrMapping/>
   </p:clrMapOvr>
+  <p:hf sldNum="0" hdr="0" dt="0"/>
 </p:sldLayout>
 </file>
 
@@ -1809,6 +2199,10 @@
           <a:bodyPr/>
           <a:lstStyle/>
           <a:p>
+            <a:r>
+              <a:rPr lang="en-US"/>
+              <a:t>Work examples quoted are not an exact replica but extrapolated to adhere to non-disclosure agreements signed with the client although several years ago.</a:t>
+            </a:r>
             <a:endParaRPr lang="en-US"/>
           </a:p>
         </p:txBody>
@@ -1840,6 +2234,7 @@
   <p:clrMapOvr>
     <a:masterClrMapping/>
   </p:clrMapOvr>
+  <p:hf sldNum="0" hdr="0" dt="0"/>
 </p:sldLayout>
 </file>
 
@@ -2083,6 +2478,10 @@
           <a:bodyPr/>
           <a:lstStyle/>
           <a:p>
+            <a:r>
+              <a:rPr lang="en-US"/>
+              <a:t>Work examples quoted are not an exact replica but extrapolated to adhere to non-disclosure agreements signed with the client although several years ago.</a:t>
+            </a:r>
             <a:endParaRPr lang="en-US"/>
           </a:p>
         </p:txBody>
@@ -2114,6 +2513,7 @@
   <p:clrMapOvr>
     <a:masterClrMapping/>
   </p:clrMapOvr>
+  <p:hf sldNum="0" hdr="0" dt="0"/>
 </p:sldLayout>
 </file>
 
@@ -2329,6 +2729,10 @@
           <a:bodyPr/>
           <a:lstStyle/>
           <a:p>
+            <a:r>
+              <a:rPr lang="en-US"/>
+              <a:t>Work examples quoted are not an exact replica but extrapolated to adhere to non-disclosure agreements signed with the client although several years ago.</a:t>
+            </a:r>
             <a:endParaRPr lang="en-US"/>
           </a:p>
         </p:txBody>
@@ -2360,6 +2764,7 @@
   <p:clrMapOvr>
     <a:masterClrMapping/>
   </p:clrMapOvr>
+  <p:hf sldNum="0" hdr="0" dt="0"/>
 </p:sldLayout>
 </file>
 
@@ -2557,6 +2962,10 @@
             </a:lvl1pPr>
           </a:lstStyle>
           <a:p>
+            <a:r>
+              <a:rPr lang="en-US"/>
+              <a:t>Work examples quoted are not an exact replica but extrapolated to adhere to non-disclosure agreements signed with the client although several years ago.</a:t>
+            </a:r>
             <a:endParaRPr lang="en-US"/>
           </a:p>
         </p:txBody>
@@ -2617,6 +3026,7 @@
     <p:sldLayoutId id="2147483658" r:id="rId10"/>
     <p:sldLayoutId id="2147483659" r:id="rId11"/>
   </p:sldLayoutIdLst>
+  <p:hf sldNum="0" hdr="0" dt="0"/>
   <p:txStyles>
     <p:titleStyle>
       <a:lvl1pPr algn="l" defTabSz="914400" rtl="0" eaLnBrk="1" latinLnBrk="0" hangingPunct="1">
@@ -2982,9 +3392,36 @@
             </a:r>
             <a:r>
               <a:rPr lang="en-GB" altLang="en-US"/>
-              <a:t> is to elaborate problem &amp; opportunity statement. Real-life work example in scope of this presentation is Minimum Payment amount and how it's calculated is not shown on RBS Credit Card statement.</a:t>
+              <a:t> is to elaborate problem &amp; opportunity statement. Real-life work example in scope of this presentation is Minimum Payment amount and how it's calculated, presently not shown on the Credit Card statement.</a:t>
             </a:r>
             <a:endParaRPr lang="en-GB" altLang="en-US"/>
+          </a:p>
+        </p:txBody>
+      </p:sp>
+      <p:sp>
+        <p:nvSpPr>
+          <p:cNvPr id="4" name="Footer Placeholder 3"/>
+          <p:cNvSpPr>
+            <a:spLocks noGrp="1"/>
+          </p:cNvSpPr>
+          <p:nvPr>
+            <p:ph type="ftr" sz="quarter" idx="11"/>
+          </p:nvPr>
+        </p:nvSpPr>
+        <p:spPr>
+          <a:xfrm>
+            <a:off x="159385" y="6357620"/>
+            <a:ext cx="11922125" cy="365125"/>
+          </a:xfrm>
+        </p:spPr>
+        <p:txBody>
+          <a:bodyPr/>
+          <a:p>
+            <a:r>
+              <a:rPr lang="en-US"/>
+              <a:t>Work examples quoted are not an exact replica but extrapolated to adhere to non-disclosure agreements signed with the client although several years ago.</a:t>
+            </a:r>
+            <a:endParaRPr lang="en-US"/>
           </a:p>
         </p:txBody>
       </p:sp>
@@ -3024,7 +3461,7 @@
         </p:spPr>
         <p:txBody>
           <a:bodyPr>
-            <a:normAutofit fontScale="90000"/>
+            <a:normAutofit/>
           </a:bodyPr>
           <a:p>
             <a:r>
@@ -3033,7 +3470,7 @@
                   <a:srgbClr val="00B050"/>
                 </a:solidFill>
               </a:rPr>
-              <a:t>Problem &amp; Opportunity statement - Minimum Payment on RBS Credit Card Statement</a:t>
+              <a:t>Problem &amp; Opportunity statement - Minimum Payment on Credit Card Statement</a:t>
             </a:r>
             <a:endParaRPr lang="en-GB" altLang="en-US" sz="2800" b="1">
               <a:solidFill>
@@ -3085,7 +3522,7 @@
             </a:r>
             <a:r>
               <a:rPr lang="en-GB" altLang="en-US" sz="2000"/>
-              <a:t> RBS Credit card statement doesn't show minimum payment amount and what is included in the minimum payment. This leaves the credit card customers confused with only with the overall balance on their account, unsure of what is due for next payment.</a:t>
+              <a:t> Credit card statement doesn't show minimum payment amount and what is included in the minimum payment. This leaves the credit card customers confused with only with the overall balance on their account, unsure of what is due for next payment.</a:t>
             </a:r>
             <a:endParaRPr lang="en-GB" altLang="en-US" sz="2000" b="1"/>
           </a:p>
@@ -3095,11 +3532,11 @@
             </a:pPr>
             <a:r>
               <a:rPr lang="en-GB" altLang="en-US" sz="2000" b="1"/>
-              <a:t>Financial Impact on RBS:</a:t>
+              <a:t>Financial Impact:</a:t>
             </a:r>
             <a:r>
               <a:rPr lang="en-GB" altLang="en-US" sz="2000"/>
-              <a:t> Until such time there is clarity around minimum payment, RBS will have to waive off all the interest, charges, fees and penalty for receiving untimely repayments costing several thousands of £.</a:t>
+              <a:t> Until such time there is clarity around minimum payment, the Bank will have to waive off all the interest, charges, fees and penalty for receiving untimely repayments costing several thousands of £.</a:t>
             </a:r>
             <a:endParaRPr lang="en-GB" altLang="en-US" sz="2000" b="1"/>
           </a:p>
@@ -3120,7 +3557,7 @@
             </a:pPr>
             <a:r>
               <a:rPr lang="en-GB" altLang="en-US" sz="2000"/>
-              <a:t>RBS Credit Card Minimum payment calculation is to be displayed as small print on the credit card statement.</a:t>
+              <a:t>Credit Card Minimum payment calculation is to be displayed as small print on the credit card statement.</a:t>
             </a:r>
             <a:endParaRPr lang="en-GB" altLang="en-US" sz="2000"/>
           </a:p>
@@ -3192,9 +3629,36 @@
             </a:r>
             <a:r>
               <a:rPr lang="en-GB" altLang="en-US" sz="2000"/>
-              <a:t> Clarity of minimum payment calculation on credit card statements is crucial for the functioning of RBS' credit cards team ensuring time repayments and better customer care.</a:t>
+              <a:t> Clarity of minimum payment calculation on credit card statements is crucial for the functioning of credit cards team ensuring time repayments and better customer care.</a:t>
             </a:r>
             <a:endParaRPr lang="en-GB" altLang="en-US" sz="2000"/>
+          </a:p>
+        </p:txBody>
+      </p:sp>
+      <p:sp>
+        <p:nvSpPr>
+          <p:cNvPr id="4" name="Footer Placeholder 3"/>
+          <p:cNvSpPr>
+            <a:spLocks noGrp="1"/>
+          </p:cNvSpPr>
+          <p:nvPr>
+            <p:ph type="ftr" sz="quarter" idx="11"/>
+          </p:nvPr>
+        </p:nvSpPr>
+        <p:spPr>
+          <a:xfrm>
+            <a:off x="217170" y="6626860"/>
+            <a:ext cx="11898630" cy="189230"/>
+          </a:xfrm>
+        </p:spPr>
+        <p:txBody>
+          <a:bodyPr/>
+          <a:p>
+            <a:r>
+              <a:rPr lang="en-US"/>
+              <a:t>Work examples quoted are not an exact replica but extrapolated to adhere to non-disclosure agreements signed with the client although several years ago.</a:t>
+            </a:r>
+            <a:endParaRPr lang="en-US"/>
           </a:p>
         </p:txBody>
       </p:sp>
@@ -3465,4 +3929,265 @@
     </a:ext>
   </a:extLst>
 </a:theme>
+</file>
+
+<file path=ppt/theme/theme2.xml><?xml version="1.0" encoding="utf-8"?>
+<a:theme xmlns:a="http://schemas.openxmlformats.org/drawingml/2006/main" name="Office Theme">
+  <a:themeElements>
+    <a:clrScheme name="Office">
+      <a:dk1>
+        <a:sysClr val="windowText" lastClr="000000"/>
+      </a:dk1>
+      <a:lt1>
+        <a:sysClr val="window" lastClr="FFFFFF"/>
+      </a:lt1>
+      <a:dk2>
+        <a:srgbClr val="44546A"/>
+      </a:dk2>
+      <a:lt2>
+        <a:srgbClr val="E7E6E6"/>
+      </a:lt2>
+      <a:accent1>
+        <a:srgbClr val="5B9BD5"/>
+      </a:accent1>
+      <a:accent2>
+        <a:srgbClr val="ED7D31"/>
+      </a:accent2>
+      <a:accent3>
+        <a:srgbClr val="A5A5A5"/>
+      </a:accent3>
+      <a:accent4>
+        <a:srgbClr val="FFC000"/>
+      </a:accent4>
+      <a:accent5>
+        <a:srgbClr val="4472C4"/>
+      </a:accent5>
+      <a:accent6>
+        <a:srgbClr val="70AD47"/>
+      </a:accent6>
+      <a:hlink>
+        <a:srgbClr val="0563C1"/>
+      </a:hlink>
+      <a:folHlink>
+        <a:srgbClr val="954F72"/>
+      </a:folHlink>
+    </a:clrScheme>
+    <a:fontScheme name="Office">
+      <a:majorFont>
+        <a:latin typeface="Calibri Light"/>
+        <a:ea typeface=""/>
+        <a:cs typeface=""/>
+        <a:font script="Jpan" typeface="ＭＳ Ｐゴシック"/>
+        <a:font script="Hang" typeface="맑은 고딕"/>
+        <a:font script="Hans" typeface="宋体"/>
+        <a:font script="Hant" typeface="新細明體"/>
+        <a:font script="Arab" typeface="Times New Roman"/>
+        <a:font script="Hebr" typeface="Times New Roman"/>
+        <a:font script="Thai" typeface="Angsana New"/>
+        <a:font script="Ethi" typeface="Nyala"/>
+        <a:font script="Beng" typeface="Vrinda"/>
+        <a:font script="Gujr" typeface="Shruti"/>
+        <a:font script="Khmr" typeface="MoolBoran"/>
+        <a:font script="Knda" typeface="Tunga"/>
+        <a:font script="Guru" typeface="Raavi"/>
+        <a:font script="Cans" typeface="Euphemia"/>
+        <a:font script="Cher" typeface="Plantagenet Cherokee"/>
+        <a:font script="Yiii" typeface="Microsoft Yi Baiti"/>
+        <a:font script="Tibt" typeface="Microsoft Himalaya"/>
+        <a:font script="Thaa" typeface="MV Boli"/>
+        <a:font script="Deva" typeface="Mangal"/>
+        <a:font script="Telu" typeface="Gautami"/>
+        <a:font script="Taml" typeface="Latha"/>
+        <a:font script="Syrc" typeface="Estrangelo Edessa"/>
+        <a:font script="Orya" typeface="Kalinga"/>
+        <a:font script="Mlym" typeface="Kartika"/>
+        <a:font script="Laoo" typeface="DokChampa"/>
+        <a:font script="Sinh" typeface="Iskoola Pota"/>
+        <a:font script="Mong" typeface="Mongolian Baiti"/>
+        <a:font script="Viet" typeface="Times New Roman"/>
+        <a:font script="Uigh" typeface="Microsoft Uighur"/>
+        <a:font script="Geor" typeface="Sylfaen"/>
+      </a:majorFont>
+      <a:minorFont>
+        <a:latin typeface="Calibri"/>
+        <a:ea typeface=""/>
+        <a:cs typeface=""/>
+        <a:font script="Jpan" typeface="ＭＳ Ｐゴシック"/>
+        <a:font script="Hang" typeface="맑은 고딕"/>
+        <a:font script="Hans" typeface="宋体"/>
+        <a:font script="Hant" typeface="新細明體"/>
+        <a:font script="Arab" typeface="Arial"/>
+        <a:font script="Hebr" typeface="Arial"/>
+        <a:font script="Thai" typeface="Cordia New"/>
+        <a:font script="Ethi" typeface="Nyala"/>
+        <a:font script="Beng" typeface="Vrinda"/>
+        <a:font script="Gujr" typeface="Shruti"/>
+        <a:font script="Khmr" typeface="DaunPenh"/>
+        <a:font script="Knda" typeface="Tunga"/>
+        <a:font script="Guru" typeface="Raavi"/>
+        <a:font script="Cans" typeface="Euphemia"/>
+        <a:font script="Cher" typeface="Plantagenet Cherokee"/>
+        <a:font script="Yiii" typeface="Microsoft Yi Baiti"/>
+        <a:font script="Tibt" typeface="Microsoft Himalaya"/>
+        <a:font script="Thaa" typeface="MV Boli"/>
+        <a:font script="Deva" typeface="Mangal"/>
+        <a:font script="Telu" typeface="Gautami"/>
+        <a:font script="Taml" typeface="Latha"/>
+        <a:font script="Syrc" typeface="Estrangelo Edessa"/>
+        <a:font script="Orya" typeface="Kalinga"/>
+        <a:font script="Mlym" typeface="Kartika"/>
+        <a:font script="Laoo" typeface="DokChampa"/>
+        <a:font script="Sinh" typeface="Iskoola Pota"/>
+        <a:font script="Mong" typeface="Mongolian Baiti"/>
+        <a:font script="Viet" typeface="Arial"/>
+        <a:font script="Uigh" typeface="Microsoft Uighur"/>
+        <a:font script="Geor" typeface="Sylfaen"/>
+      </a:minorFont>
+    </a:fontScheme>
+    <a:fmtScheme name="Office">
+      <a:fillStyleLst>
+        <a:solidFill>
+          <a:schemeClr val="phClr"/>
+        </a:solidFill>
+        <a:gradFill rotWithShape="1">
+          <a:gsLst>
+            <a:gs pos="0">
+              <a:schemeClr val="phClr">
+                <a:lumMod val="110000"/>
+                <a:satMod val="105000"/>
+                <a:tint val="67000"/>
+              </a:schemeClr>
+            </a:gs>
+            <a:gs pos="50000">
+              <a:schemeClr val="phClr">
+                <a:lumMod val="105000"/>
+                <a:satMod val="103000"/>
+                <a:tint val="73000"/>
+              </a:schemeClr>
+            </a:gs>
+            <a:gs pos="100000">
+              <a:schemeClr val="phClr">
+                <a:lumMod val="105000"/>
+                <a:satMod val="109000"/>
+                <a:tint val="81000"/>
+              </a:schemeClr>
+            </a:gs>
+          </a:gsLst>
+          <a:lin ang="5400000" scaled="0"/>
+        </a:gradFill>
+        <a:gradFill rotWithShape="1">
+          <a:gsLst>
+            <a:gs pos="0">
+              <a:schemeClr val="phClr">
+                <a:satMod val="103000"/>
+                <a:lumMod val="102000"/>
+                <a:tint val="94000"/>
+              </a:schemeClr>
+            </a:gs>
+            <a:gs pos="50000">
+              <a:schemeClr val="phClr">
+                <a:satMod val="110000"/>
+                <a:lumMod val="100000"/>
+                <a:shade val="100000"/>
+              </a:schemeClr>
+            </a:gs>
+            <a:gs pos="100000">
+              <a:schemeClr val="phClr">
+                <a:lumMod val="99000"/>
+                <a:satMod val="120000"/>
+                <a:shade val="78000"/>
+              </a:schemeClr>
+            </a:gs>
+          </a:gsLst>
+          <a:lin ang="5400000" scaled="0"/>
+        </a:gradFill>
+      </a:fillStyleLst>
+      <a:lnStyleLst>
+        <a:ln w="6350" cap="flat" cmpd="sng" algn="ctr">
+          <a:solidFill>
+            <a:schemeClr val="phClr"/>
+          </a:solidFill>
+          <a:prstDash val="solid"/>
+          <a:miter lim="800000"/>
+        </a:ln>
+        <a:ln w="12700" cap="flat" cmpd="sng" algn="ctr">
+          <a:solidFill>
+            <a:schemeClr val="phClr"/>
+          </a:solidFill>
+          <a:prstDash val="solid"/>
+          <a:miter lim="800000"/>
+        </a:ln>
+        <a:ln w="19050" cap="flat" cmpd="sng" algn="ctr">
+          <a:solidFill>
+            <a:schemeClr val="phClr"/>
+          </a:solidFill>
+          <a:prstDash val="solid"/>
+          <a:miter lim="800000"/>
+        </a:ln>
+      </a:lnStyleLst>
+      <a:effectStyleLst>
+        <a:effectStyle>
+          <a:effectLst/>
+        </a:effectStyle>
+        <a:effectStyle>
+          <a:effectLst/>
+        </a:effectStyle>
+        <a:effectStyle>
+          <a:effectLst>
+            <a:outerShdw blurRad="57150" dist="19050" dir="5400000" algn="ctr" rotWithShape="0">
+              <a:srgbClr val="000000">
+                <a:alpha val="63000"/>
+              </a:srgbClr>
+            </a:outerShdw>
+          </a:effectLst>
+        </a:effectStyle>
+      </a:effectStyleLst>
+      <a:bgFillStyleLst>
+        <a:solidFill>
+          <a:schemeClr val="phClr"/>
+        </a:solidFill>
+        <a:solidFill>
+          <a:schemeClr val="phClr">
+            <a:tint val="95000"/>
+            <a:satMod val="170000"/>
+          </a:schemeClr>
+        </a:solidFill>
+        <a:gradFill rotWithShape="1">
+          <a:gsLst>
+            <a:gs pos="0">
+              <a:schemeClr val="phClr">
+                <a:tint val="93000"/>
+                <a:satMod val="150000"/>
+                <a:shade val="98000"/>
+                <a:lumMod val="102000"/>
+              </a:schemeClr>
+            </a:gs>
+            <a:gs pos="50000">
+              <a:schemeClr val="phClr">
+                <a:tint val="98000"/>
+                <a:satMod val="130000"/>
+                <a:shade val="90000"/>
+                <a:lumMod val="103000"/>
+              </a:schemeClr>
+            </a:gs>
+            <a:gs pos="100000">
+              <a:schemeClr val="phClr">
+                <a:shade val="63000"/>
+                <a:satMod val="120000"/>
+              </a:schemeClr>
+            </a:gs>
+          </a:gsLst>
+          <a:lin ang="5400000" scaled="0"/>
+        </a:gradFill>
+      </a:bgFillStyleLst>
+    </a:fmtScheme>
+  </a:themeElements>
+  <a:objectDefaults/>
+  <a:extraClrSchemeLst/>
+  <a:extLst>
+    <a:ext uri="{05A4C25C-085E-4340-85A3-A5531E510DB2}">
+      <thm15:themeFamily xmlns:thm15="http://schemas.microsoft.com/office/thememl/2012/main" name="Office Theme" id="{62F939B6-93AF-4DB8-9C6B-D6C7DFDC589F}" vid="{4A3C46E8-61CC-4603-A589-7422A47A8E4A}"/>
+    </a:ext>
+  </a:extLst>
+</a:theme>
 </file>